--- a/Задание 5.pptx
+++ b/Задание 5.pptx
@@ -107,6 +107,21 @@
     </a:lvl9pPr>
   </p:defaultTextStyle>
   <p:extLst>
+    <p:ext uri="{521415D9-36F7-43E2-AB2F-B90AF26B5E84}">
+      <p14:sectionLst xmlns:p14="http://schemas.microsoft.com/office/powerpoint/2010/main">
+        <p14:section name="Раздел по умолчанию" id="{13B1722E-738B-4739-9CAA-5F59637D1793}">
+          <p14:sldIdLst>
+            <p14:sldId id="256"/>
+            <p14:sldId id="257"/>
+          </p14:sldIdLst>
+        </p14:section>
+        <p14:section name="Раздел без заголовка" id="{09743127-EDFF-47C6-B413-5FF9A42F8164}">
+          <p14:sldIdLst>
+            <p14:sldId id="258"/>
+          </p14:sldIdLst>
+        </p14:section>
+      </p14:sectionLst>
+    </p:ext>
     <p:ext uri="{EFAFB233-063F-42B5-8137-9DF3F51BA10A}">
       <p15:sldGuideLst xmlns:p15="http://schemas.microsoft.com/office/powerpoint/2012/main"/>
     </p:ext>
@@ -245,7 +260,7 @@
           <a:p>
             <a:fld id="{25061C0B-6459-45BF-B654-C1F34CC03668}" type="datetimeFigureOut">
               <a:rPr lang="ru-RU" smtClean="0"/>
-              <a:t>08.02.2023</a:t>
+              <a:t>19.02.2023</a:t>
             </a:fld>
             <a:endParaRPr lang="ru-RU"/>
           </a:p>
@@ -415,7 +430,7 @@
           <a:p>
             <a:fld id="{25061C0B-6459-45BF-B654-C1F34CC03668}" type="datetimeFigureOut">
               <a:rPr lang="ru-RU" smtClean="0"/>
-              <a:t>08.02.2023</a:t>
+              <a:t>19.02.2023</a:t>
             </a:fld>
             <a:endParaRPr lang="ru-RU"/>
           </a:p>
@@ -595,7 +610,7 @@
           <a:p>
             <a:fld id="{25061C0B-6459-45BF-B654-C1F34CC03668}" type="datetimeFigureOut">
               <a:rPr lang="ru-RU" smtClean="0"/>
-              <a:t>08.02.2023</a:t>
+              <a:t>19.02.2023</a:t>
             </a:fld>
             <a:endParaRPr lang="ru-RU"/>
           </a:p>
@@ -765,7 +780,7 @@
           <a:p>
             <a:fld id="{25061C0B-6459-45BF-B654-C1F34CC03668}" type="datetimeFigureOut">
               <a:rPr lang="ru-RU" smtClean="0"/>
-              <a:t>08.02.2023</a:t>
+              <a:t>19.02.2023</a:t>
             </a:fld>
             <a:endParaRPr lang="ru-RU"/>
           </a:p>
@@ -1011,7 +1026,7 @@
           <a:p>
             <a:fld id="{25061C0B-6459-45BF-B654-C1F34CC03668}" type="datetimeFigureOut">
               <a:rPr lang="ru-RU" smtClean="0"/>
-              <a:t>08.02.2023</a:t>
+              <a:t>19.02.2023</a:t>
             </a:fld>
             <a:endParaRPr lang="ru-RU"/>
           </a:p>
@@ -1243,7 +1258,7 @@
           <a:p>
             <a:fld id="{25061C0B-6459-45BF-B654-C1F34CC03668}" type="datetimeFigureOut">
               <a:rPr lang="ru-RU" smtClean="0"/>
-              <a:t>08.02.2023</a:t>
+              <a:t>19.02.2023</a:t>
             </a:fld>
             <a:endParaRPr lang="ru-RU"/>
           </a:p>
@@ -1610,7 +1625,7 @@
           <a:p>
             <a:fld id="{25061C0B-6459-45BF-B654-C1F34CC03668}" type="datetimeFigureOut">
               <a:rPr lang="ru-RU" smtClean="0"/>
-              <a:t>08.02.2023</a:t>
+              <a:t>19.02.2023</a:t>
             </a:fld>
             <a:endParaRPr lang="ru-RU"/>
           </a:p>
@@ -1728,7 +1743,7 @@
           <a:p>
             <a:fld id="{25061C0B-6459-45BF-B654-C1F34CC03668}" type="datetimeFigureOut">
               <a:rPr lang="ru-RU" smtClean="0"/>
-              <a:t>08.02.2023</a:t>
+              <a:t>19.02.2023</a:t>
             </a:fld>
             <a:endParaRPr lang="ru-RU"/>
           </a:p>
@@ -1823,7 +1838,7 @@
           <a:p>
             <a:fld id="{25061C0B-6459-45BF-B654-C1F34CC03668}" type="datetimeFigureOut">
               <a:rPr lang="ru-RU" smtClean="0"/>
-              <a:t>08.02.2023</a:t>
+              <a:t>19.02.2023</a:t>
             </a:fld>
             <a:endParaRPr lang="ru-RU"/>
           </a:p>
@@ -2100,7 +2115,7 @@
           <a:p>
             <a:fld id="{25061C0B-6459-45BF-B654-C1F34CC03668}" type="datetimeFigureOut">
               <a:rPr lang="ru-RU" smtClean="0"/>
-              <a:t>08.02.2023</a:t>
+              <a:t>19.02.2023</a:t>
             </a:fld>
             <a:endParaRPr lang="ru-RU"/>
           </a:p>
@@ -2353,7 +2368,7 @@
           <a:p>
             <a:fld id="{25061C0B-6459-45BF-B654-C1F34CC03668}" type="datetimeFigureOut">
               <a:rPr lang="ru-RU" smtClean="0"/>
-              <a:t>08.02.2023</a:t>
+              <a:t>19.02.2023</a:t>
             </a:fld>
             <a:endParaRPr lang="ru-RU"/>
           </a:p>
@@ -2566,7 +2581,7 @@
           <a:p>
             <a:fld id="{25061C0B-6459-45BF-B654-C1F34CC03668}" type="datetimeFigureOut">
               <a:rPr lang="ru-RU" smtClean="0"/>
-              <a:t>08.02.2023</a:t>
+              <a:t>19.02.2023</a:t>
             </a:fld>
             <a:endParaRPr lang="ru-RU"/>
           </a:p>
@@ -3165,116 +3180,101 @@
           <a:chExt cx="0" cy="0"/>
         </a:xfrm>
       </p:grpSpPr>
-      <p:grpSp>
-        <p:nvGrpSpPr>
-          <p:cNvPr id="13" name="Группа 12"/>
-          <p:cNvGrpSpPr/>
+      <p:pic>
+        <p:nvPicPr>
+          <p:cNvPr id="3" name="Рисунок 2"/>
+          <p:cNvPicPr>
+            <a:picLocks noChangeAspect="1"/>
+          </p:cNvPicPr>
           <p:nvPr/>
-        </p:nvGrpSpPr>
-        <p:grpSpPr>
+        </p:nvPicPr>
+        <p:blipFill rotWithShape="1">
+          <a:blip r:embed="rId2"/>
+          <a:srcRect b="8606"/>
+          <a:stretch/>
+        </p:blipFill>
+        <p:spPr>
           <a:xfrm>
-            <a:off x="748937" y="557349"/>
-            <a:ext cx="9675224" cy="5425440"/>
-            <a:chOff x="748937" y="557349"/>
-            <a:chExt cx="9675224" cy="5425440"/>
+            <a:off x="363268" y="537553"/>
+            <a:ext cx="10880000" cy="5593282"/>
           </a:xfrm>
-        </p:grpSpPr>
-        <p:pic>
-          <p:nvPicPr>
-            <p:cNvPr id="6" name="Рисунок 5"/>
-            <p:cNvPicPr>
-              <a:picLocks noChangeAspect="1"/>
-            </p:cNvPicPr>
-            <p:nvPr/>
-          </p:nvPicPr>
-          <p:blipFill rotWithShape="1">
-            <a:blip r:embed="rId2"/>
-            <a:srcRect l="4789" t="2308" r="6284" b="9042"/>
-            <a:stretch/>
-          </p:blipFill>
-          <p:spPr>
-            <a:xfrm>
-              <a:off x="748937" y="557349"/>
-              <a:ext cx="9675224" cy="5425440"/>
-            </a:xfrm>
-            <a:prstGeom prst="rect">
-              <a:avLst/>
-            </a:prstGeom>
-          </p:spPr>
-        </p:pic>
-        <p:cxnSp>
-          <p:nvCxnSpPr>
-            <p:cNvPr id="9" name="Прямая со стрелкой 8"/>
-            <p:cNvCxnSpPr/>
-            <p:nvPr/>
-          </p:nvCxnSpPr>
-          <p:spPr>
-            <a:xfrm flipH="1" flipV="1">
-              <a:off x="2601876" y="4861090"/>
-              <a:ext cx="6838215" cy="425013"/>
-            </a:xfrm>
-            <a:prstGeom prst="straightConnector1">
-              <a:avLst/>
-            </a:prstGeom>
-            <a:ln w="15875">
-              <a:solidFill>
-                <a:srgbClr val="C00000"/>
-              </a:solidFill>
-              <a:tailEnd type="triangle"/>
-            </a:ln>
-          </p:spPr>
-          <p:style>
-            <a:lnRef idx="1">
-              <a:schemeClr val="accent1"/>
-            </a:lnRef>
-            <a:fillRef idx="0">
-              <a:schemeClr val="accent1"/>
-            </a:fillRef>
-            <a:effectRef idx="0">
-              <a:schemeClr val="accent1"/>
-            </a:effectRef>
-            <a:fontRef idx="minor">
-              <a:schemeClr val="tx1"/>
-            </a:fontRef>
-          </p:style>
-        </p:cxnSp>
-        <p:cxnSp>
-          <p:nvCxnSpPr>
-            <p:cNvPr id="10" name="Прямая со стрелкой 9"/>
-            <p:cNvCxnSpPr/>
-            <p:nvPr/>
-          </p:nvCxnSpPr>
-          <p:spPr>
-            <a:xfrm flipH="1" flipV="1">
-              <a:off x="8140528" y="3615764"/>
-              <a:ext cx="1299563" cy="1670339"/>
-            </a:xfrm>
-            <a:prstGeom prst="straightConnector1">
-              <a:avLst/>
-            </a:prstGeom>
-            <a:ln w="15875">
-              <a:solidFill>
-                <a:srgbClr val="C00000"/>
-              </a:solidFill>
-              <a:tailEnd type="triangle"/>
-            </a:ln>
-          </p:spPr>
-          <p:style>
-            <a:lnRef idx="1">
-              <a:schemeClr val="accent1"/>
-            </a:lnRef>
-            <a:fillRef idx="0">
-              <a:schemeClr val="accent1"/>
-            </a:fillRef>
-            <a:effectRef idx="0">
-              <a:schemeClr val="accent1"/>
-            </a:effectRef>
-            <a:fontRef idx="minor">
-              <a:schemeClr val="tx1"/>
-            </a:fontRef>
-          </p:style>
-        </p:cxnSp>
-      </p:grpSp>
+          <a:prstGeom prst="rect">
+            <a:avLst/>
+          </a:prstGeom>
+        </p:spPr>
+      </p:pic>
+      <p:cxnSp>
+        <p:nvCxnSpPr>
+          <p:cNvPr id="9" name="Прямая со стрелкой 8"/>
+          <p:cNvCxnSpPr/>
+          <p:nvPr/>
+        </p:nvCxnSpPr>
+        <p:spPr>
+          <a:xfrm flipH="1" flipV="1">
+            <a:off x="3585946" y="5495963"/>
+            <a:ext cx="5305505" cy="399740"/>
+          </a:xfrm>
+          <a:prstGeom prst="straightConnector1">
+            <a:avLst/>
+          </a:prstGeom>
+          <a:ln w="15875">
+            <a:solidFill>
+              <a:srgbClr val="C00000"/>
+            </a:solidFill>
+            <a:tailEnd type="triangle"/>
+          </a:ln>
+        </p:spPr>
+        <p:style>
+          <a:lnRef idx="1">
+            <a:schemeClr val="accent1"/>
+          </a:lnRef>
+          <a:fillRef idx="0">
+            <a:schemeClr val="accent1"/>
+          </a:fillRef>
+          <a:effectRef idx="0">
+            <a:schemeClr val="accent1"/>
+          </a:effectRef>
+          <a:fontRef idx="minor">
+            <a:schemeClr val="tx1"/>
+          </a:fontRef>
+        </p:style>
+      </p:cxnSp>
+      <p:cxnSp>
+        <p:nvCxnSpPr>
+          <p:cNvPr id="10" name="Прямая со стрелкой 9"/>
+          <p:cNvCxnSpPr/>
+          <p:nvPr/>
+        </p:nvCxnSpPr>
+        <p:spPr>
+          <a:xfrm flipH="1" flipV="1">
+            <a:off x="7374174" y="4948176"/>
+            <a:ext cx="1517277" cy="947527"/>
+          </a:xfrm>
+          <a:prstGeom prst="straightConnector1">
+            <a:avLst/>
+          </a:prstGeom>
+          <a:ln w="15875">
+            <a:solidFill>
+              <a:srgbClr val="C00000"/>
+            </a:solidFill>
+            <a:tailEnd type="triangle"/>
+          </a:ln>
+        </p:spPr>
+        <p:style>
+          <a:lnRef idx="1">
+            <a:schemeClr val="accent1"/>
+          </a:lnRef>
+          <a:fillRef idx="0">
+            <a:schemeClr val="accent1"/>
+          </a:fillRef>
+          <a:effectRef idx="0">
+            <a:schemeClr val="accent1"/>
+          </a:effectRef>
+          <a:fontRef idx="minor">
+            <a:schemeClr val="tx1"/>
+          </a:fontRef>
+        </p:style>
+      </p:cxnSp>
     </p:spTree>
     <p:extLst>
       <p:ext uri="{BB962C8B-B14F-4D97-AF65-F5344CB8AC3E}">
